--- a/docs/diagrams/ShowNewTeamDiagram.pptx
+++ b/docs/diagrams/ShowNewTeamDiagram.pptx
@@ -4333,20 +4333,12 @@
           <a:lstStyle/>
           <a:p>
             <a:r>
-              <a:rPr lang="en-US" sz="1400" dirty="0" err="1" smtClean="0">
-                <a:solidFill>
-                  <a:srgbClr val="7030A0"/>
-                </a:solidFill>
-              </a:rPr>
-              <a:t>createTeam</a:t>
-            </a:r>
-            <a:r>
               <a:rPr lang="en-US" sz="1400" dirty="0" smtClean="0">
                 <a:solidFill>
                   <a:srgbClr val="7030A0"/>
                 </a:solidFill>
               </a:rPr>
-              <a:t>()</a:t>
+              <a:t>createTeam()</a:t>
             </a:r>
             <a:endParaRPr lang="en-US" sz="1400" dirty="0">
               <a:solidFill>
@@ -5034,7 +5026,7 @@
         <p:spPr>
           <a:xfrm>
             <a:off x="538901" y="2531170"/>
-            <a:ext cx="794081" cy="861774"/>
+            <a:ext cx="794081" cy="646331"/>
           </a:xfrm>
           <a:prstGeom prst="rect">
             <a:avLst/>
@@ -5062,7 +5054,7 @@
                   <a:srgbClr val="00B050"/>
                 </a:solidFill>
               </a:rPr>
-              <a:t>person details pane</a:t>
+              <a:t>team display bar</a:t>
             </a:r>
             <a:endParaRPr lang="en-US" sz="1400" dirty="0">
               <a:solidFill>
